--- a/Team1 project proposal/설계도.pptx
+++ b/Team1 project proposal/설계도.pptx
@@ -281,7 +281,7 @@
           <a:p>
             <a:fld id="{FDD50A98-584F-4BA2-B4F0-4A77C5DEC3A9}" type="datetimeFigureOut">
               <a:rPr lang="ko-KR" altLang="en-US" smtClean="0"/>
-              <a:t>2020-12-29</a:t>
+              <a:t>2020-12-30</a:t>
             </a:fld>
             <a:endParaRPr lang="ko-KR" altLang="en-US"/>
           </a:p>
@@ -451,7 +451,7 @@
           <a:p>
             <a:fld id="{FDD50A98-584F-4BA2-B4F0-4A77C5DEC3A9}" type="datetimeFigureOut">
               <a:rPr lang="ko-KR" altLang="en-US" smtClean="0"/>
-              <a:t>2020-12-29</a:t>
+              <a:t>2020-12-30</a:t>
             </a:fld>
             <a:endParaRPr lang="ko-KR" altLang="en-US"/>
           </a:p>
@@ -631,7 +631,7 @@
           <a:p>
             <a:fld id="{FDD50A98-584F-4BA2-B4F0-4A77C5DEC3A9}" type="datetimeFigureOut">
               <a:rPr lang="ko-KR" altLang="en-US" smtClean="0"/>
-              <a:t>2020-12-29</a:t>
+              <a:t>2020-12-30</a:t>
             </a:fld>
             <a:endParaRPr lang="ko-KR" altLang="en-US"/>
           </a:p>
@@ -801,7 +801,7 @@
           <a:p>
             <a:fld id="{FDD50A98-584F-4BA2-B4F0-4A77C5DEC3A9}" type="datetimeFigureOut">
               <a:rPr lang="ko-KR" altLang="en-US" smtClean="0"/>
-              <a:t>2020-12-29</a:t>
+              <a:t>2020-12-30</a:t>
             </a:fld>
             <a:endParaRPr lang="ko-KR" altLang="en-US"/>
           </a:p>
@@ -1047,7 +1047,7 @@
           <a:p>
             <a:fld id="{FDD50A98-584F-4BA2-B4F0-4A77C5DEC3A9}" type="datetimeFigureOut">
               <a:rPr lang="ko-KR" altLang="en-US" smtClean="0"/>
-              <a:t>2020-12-29</a:t>
+              <a:t>2020-12-30</a:t>
             </a:fld>
             <a:endParaRPr lang="ko-KR" altLang="en-US"/>
           </a:p>
@@ -1279,7 +1279,7 @@
           <a:p>
             <a:fld id="{FDD50A98-584F-4BA2-B4F0-4A77C5DEC3A9}" type="datetimeFigureOut">
               <a:rPr lang="ko-KR" altLang="en-US" smtClean="0"/>
-              <a:t>2020-12-29</a:t>
+              <a:t>2020-12-30</a:t>
             </a:fld>
             <a:endParaRPr lang="ko-KR" altLang="en-US"/>
           </a:p>
@@ -1646,7 +1646,7 @@
           <a:p>
             <a:fld id="{FDD50A98-584F-4BA2-B4F0-4A77C5DEC3A9}" type="datetimeFigureOut">
               <a:rPr lang="ko-KR" altLang="en-US" smtClean="0"/>
-              <a:t>2020-12-29</a:t>
+              <a:t>2020-12-30</a:t>
             </a:fld>
             <a:endParaRPr lang="ko-KR" altLang="en-US"/>
           </a:p>
@@ -1764,7 +1764,7 @@
           <a:p>
             <a:fld id="{FDD50A98-584F-4BA2-B4F0-4A77C5DEC3A9}" type="datetimeFigureOut">
               <a:rPr lang="ko-KR" altLang="en-US" smtClean="0"/>
-              <a:t>2020-12-29</a:t>
+              <a:t>2020-12-30</a:t>
             </a:fld>
             <a:endParaRPr lang="ko-KR" altLang="en-US"/>
           </a:p>
@@ -1859,7 +1859,7 @@
           <a:p>
             <a:fld id="{FDD50A98-584F-4BA2-B4F0-4A77C5DEC3A9}" type="datetimeFigureOut">
               <a:rPr lang="ko-KR" altLang="en-US" smtClean="0"/>
-              <a:t>2020-12-29</a:t>
+              <a:t>2020-12-30</a:t>
             </a:fld>
             <a:endParaRPr lang="ko-KR" altLang="en-US"/>
           </a:p>
@@ -2136,7 +2136,7 @@
           <a:p>
             <a:fld id="{FDD50A98-584F-4BA2-B4F0-4A77C5DEC3A9}" type="datetimeFigureOut">
               <a:rPr lang="ko-KR" altLang="en-US" smtClean="0"/>
-              <a:t>2020-12-29</a:t>
+              <a:t>2020-12-30</a:t>
             </a:fld>
             <a:endParaRPr lang="ko-KR" altLang="en-US"/>
           </a:p>
@@ -2393,7 +2393,7 @@
           <a:p>
             <a:fld id="{FDD50A98-584F-4BA2-B4F0-4A77C5DEC3A9}" type="datetimeFigureOut">
               <a:rPr lang="ko-KR" altLang="en-US" smtClean="0"/>
-              <a:t>2020-12-29</a:t>
+              <a:t>2020-12-30</a:t>
             </a:fld>
             <a:endParaRPr lang="ko-KR" altLang="en-US"/>
           </a:p>
@@ -2606,7 +2606,7 @@
           <a:p>
             <a:fld id="{FDD50A98-584F-4BA2-B4F0-4A77C5DEC3A9}" type="datetimeFigureOut">
               <a:rPr lang="ko-KR" altLang="en-US" smtClean="0"/>
-              <a:t>2020-12-29</a:t>
+              <a:t>2020-12-30</a:t>
             </a:fld>
             <a:endParaRPr lang="ko-KR" altLang="en-US"/>
           </a:p>
@@ -20975,8 +20975,8 @@
         </p:nvSpPr>
         <p:spPr>
           <a:xfrm>
-            <a:off x="4483102" y="2253734"/>
-            <a:ext cx="787395" cy="369332"/>
+            <a:off x="3692324" y="1857302"/>
+            <a:ext cx="2367956" cy="923330"/>
           </a:xfrm>
           <a:prstGeom prst="rect">
             <a:avLst/>
@@ -20989,13 +20989,34 @@
           </a:bodyPr>
           <a:lstStyle/>
           <a:p>
+            <a:pPr algn="ctr"/>
             <a:r>
               <a:rPr lang="en-US" altLang="ko-KR" dirty="0"/>
               <a:t>(</a:t>
             </a:r>
             <a:r>
+              <a:rPr lang="ko-KR" altLang="en-US"/>
+              <a:t>배너</a:t>
+            </a:r>
+            <a:endParaRPr lang="en-US" altLang="ko-KR" dirty="0"/>
+          </a:p>
+          <a:p>
+            <a:pPr algn="ctr"/>
+            <a:r>
               <a:rPr lang="ko-KR" altLang="en-US" dirty="0"/>
-              <a:t>배너</a:t>
+              <a:t>홈페이지 소개 내용이</a:t>
+            </a:r>
+            <a:endParaRPr lang="en-US" altLang="ko-KR" dirty="0"/>
+          </a:p>
+          <a:p>
+            <a:pPr algn="ctr"/>
+            <a:r>
+              <a:rPr lang="ko-KR" altLang="en-US" dirty="0"/>
+              <a:t>사진으로 </a:t>
+            </a:r>
+            <a:r>
+              <a:rPr lang="ko-KR" altLang="en-US" dirty="0" err="1"/>
+              <a:t>보여짐</a:t>
             </a:r>
             <a:r>
               <a:rPr lang="en-US" altLang="ko-KR" dirty="0"/>
